--- a/기획문서/Aww_중간발표.pptx
+++ b/기획문서/Aww_중간발표.pptx
@@ -162,7 +162,6 @@
               <a:rPr lang="ko-KR" altLang="en-US"/>
               <a:t>마스터 제목 스타일 편집</a:t>
             </a:r>
-            <a:endParaRPr lang="ko-KR" altLang="en-US"/>
           </a:p>
         </p:txBody>
       </p:sp>
@@ -227,7 +226,6 @@
               <a:rPr lang="ko-KR" altLang="en-US"/>
               <a:t>클릭하여 마스터 부제목 스타일 편집</a:t>
             </a:r>
-            <a:endParaRPr lang="ko-KR" altLang="en-US"/>
           </a:p>
         </p:txBody>
       </p:sp>
@@ -345,7 +343,6 @@
               <a:rPr lang="ko-KR" altLang="en-US"/>
               <a:t>마스터 제목 스타일 편집</a:t>
             </a:r>
-            <a:endParaRPr lang="ko-KR" altLang="en-US"/>
           </a:p>
         </p:txBody>
       </p:sp>
@@ -397,7 +394,6 @@
               <a:rPr lang="ko-KR" altLang="en-US"/>
               <a:t>다섯째 수준</a:t>
             </a:r>
-            <a:endParaRPr lang="ko-KR" altLang="en-US"/>
           </a:p>
         </p:txBody>
       </p:sp>
@@ -520,7 +516,6 @@
               <a:rPr lang="ko-KR" altLang="en-US"/>
               <a:t>마스터 제목 스타일 편집</a:t>
             </a:r>
-            <a:endParaRPr lang="ko-KR" altLang="en-US"/>
           </a:p>
         </p:txBody>
       </p:sp>
@@ -577,7 +572,6 @@
               <a:rPr lang="ko-KR" altLang="en-US"/>
               <a:t>다섯째 수준</a:t>
             </a:r>
-            <a:endParaRPr lang="ko-KR" altLang="en-US"/>
           </a:p>
         </p:txBody>
       </p:sp>
@@ -695,7 +689,6 @@
               <a:rPr lang="ko-KR" altLang="en-US"/>
               <a:t>마스터 제목 스타일 편집</a:t>
             </a:r>
-            <a:endParaRPr lang="ko-KR" altLang="en-US"/>
           </a:p>
         </p:txBody>
       </p:sp>
@@ -747,7 +740,6 @@
               <a:rPr lang="ko-KR" altLang="en-US"/>
               <a:t>다섯째 수준</a:t>
             </a:r>
-            <a:endParaRPr lang="ko-KR" altLang="en-US"/>
           </a:p>
         </p:txBody>
       </p:sp>
@@ -874,7 +866,6 @@
               <a:rPr lang="ko-KR" altLang="en-US"/>
               <a:t>마스터 제목 스타일 편집</a:t>
             </a:r>
-            <a:endParaRPr lang="ko-KR" altLang="en-US"/>
           </a:p>
         </p:txBody>
       </p:sp>
@@ -1111,7 +1102,6 @@
               <a:rPr lang="ko-KR" altLang="en-US"/>
               <a:t>마스터 제목 스타일 편집</a:t>
             </a:r>
-            <a:endParaRPr lang="ko-KR" altLang="en-US"/>
           </a:p>
         </p:txBody>
       </p:sp>
@@ -1168,7 +1158,6 @@
               <a:rPr lang="ko-KR" altLang="en-US"/>
               <a:t>다섯째 수준</a:t>
             </a:r>
-            <a:endParaRPr lang="ko-KR" altLang="en-US"/>
           </a:p>
         </p:txBody>
       </p:sp>
@@ -1225,7 +1214,6 @@
               <a:rPr lang="ko-KR" altLang="en-US"/>
               <a:t>다섯째 수준</a:t>
             </a:r>
-            <a:endParaRPr lang="ko-KR" altLang="en-US"/>
           </a:p>
         </p:txBody>
       </p:sp>
@@ -1348,7 +1336,6 @@
               <a:rPr lang="ko-KR" altLang="en-US"/>
               <a:t>마스터 제목 스타일 편집</a:t>
             </a:r>
-            <a:endParaRPr lang="ko-KR" altLang="en-US"/>
           </a:p>
         </p:txBody>
       </p:sp>
@@ -1470,7 +1457,6 @@
               <a:rPr lang="ko-KR" altLang="en-US"/>
               <a:t>다섯째 수준</a:t>
             </a:r>
-            <a:endParaRPr lang="ko-KR" altLang="en-US"/>
           </a:p>
         </p:txBody>
       </p:sp>
@@ -1592,7 +1578,6 @@
               <a:rPr lang="ko-KR" altLang="en-US"/>
               <a:t>다섯째 수준</a:t>
             </a:r>
-            <a:endParaRPr lang="ko-KR" altLang="en-US"/>
           </a:p>
         </p:txBody>
       </p:sp>
@@ -1710,7 +1695,6 @@
               <a:rPr lang="ko-KR" altLang="en-US"/>
               <a:t>마스터 제목 스타일 편집</a:t>
             </a:r>
-            <a:endParaRPr lang="ko-KR" altLang="en-US"/>
           </a:p>
         </p:txBody>
       </p:sp>
@@ -1932,7 +1916,6 @@
               <a:rPr lang="ko-KR" altLang="en-US"/>
               <a:t>마스터 제목 스타일 편집</a:t>
             </a:r>
-            <a:endParaRPr lang="ko-KR" altLang="en-US"/>
           </a:p>
         </p:txBody>
       </p:sp>
@@ -2017,7 +2000,6 @@
               <a:rPr lang="ko-KR" altLang="en-US"/>
               <a:t>다섯째 수준</a:t>
             </a:r>
-            <a:endParaRPr lang="ko-KR" altLang="en-US"/>
           </a:p>
         </p:txBody>
       </p:sp>
@@ -2209,7 +2191,6 @@
               <a:rPr lang="ko-KR" altLang="en-US"/>
               <a:t>마스터 제목 스타일 편집</a:t>
             </a:r>
-            <a:endParaRPr lang="ko-KR" altLang="en-US"/>
           </a:p>
         </p:txBody>
       </p:sp>
@@ -2468,7 +2449,6 @@
               <a:rPr lang="ko-KR" altLang="en-US"/>
               <a:t>마스터 제목 스타일 편집</a:t>
             </a:r>
-            <a:endParaRPr lang="ko-KR" altLang="en-US"/>
           </a:p>
         </p:txBody>
       </p:sp>
@@ -2530,7 +2510,6 @@
               <a:rPr lang="ko-KR" altLang="en-US"/>
               <a:t>다섯째 수준</a:t>
             </a:r>
-            <a:endParaRPr lang="ko-KR" altLang="en-US"/>
           </a:p>
         </p:txBody>
       </p:sp>
@@ -2974,9 +2953,130 @@
           <a:chExt cx="0" cy="0"/>
         </a:xfrm>
       </p:grpSpPr>
+      <p:sp>
+        <p:nvSpPr>
+          <p:cNvPr id="7" name="Subtitle 2"/>
+          <p:cNvSpPr>
+            <a:spLocks noGrp="1"/>
+          </p:cNvSpPr>
+          <p:nvPr>
+            <p:ph type="subTitle" idx="1"/>
+          </p:nvPr>
+        </p:nvSpPr>
+        <p:spPr>
+          <a:xfrm>
+            <a:off x="5791200" y="5091105"/>
+            <a:ext cx="6400800" cy="1752600"/>
+          </a:xfrm>
+        </p:spPr>
+        <p:txBody>
+          <a:bodyPr>
+            <a:normAutofit fontScale="85000" lnSpcReduction="20000"/>
+          </a:bodyPr>
+          <a:lstStyle/>
+          <a:p>
+            <a:pPr algn="l"/>
+            <a:r>
+              <a:rPr lang="ko-KR" altLang="en-US" dirty="0">
+                <a:solidFill>
+                  <a:schemeClr val="tx1"/>
+                </a:solidFill>
+              </a:rPr>
+              <a:t>                       </a:t>
+            </a:r>
+            <a:r>
+              <a:rPr lang="ko-KR" altLang="en-US" dirty="0" err="1">
+                <a:solidFill>
+                  <a:schemeClr val="tx1"/>
+                </a:solidFill>
+              </a:rPr>
+              <a:t>졸업연구</a:t>
+            </a:r>
+            <a:r>
+              <a:rPr lang="ko-KR" altLang="en-US" dirty="0">
+                <a:solidFill>
+                  <a:schemeClr val="tx1"/>
+                </a:solidFill>
+              </a:rPr>
+              <a:t> 중간발표</a:t>
+            </a:r>
+            <a:endParaRPr lang="en-US" altLang="ko-KR" dirty="0">
+              <a:solidFill>
+                <a:schemeClr val="tx1"/>
+              </a:solidFill>
+            </a:endParaRPr>
+          </a:p>
+          <a:p>
+            <a:r>
+              <a:rPr lang="en-US" altLang="ko-KR" b="1" i="1" u="sng" dirty="0">
+                <a:solidFill>
+                  <a:schemeClr val="tx1"/>
+                </a:solidFill>
+              </a:rPr>
+              <a:t>Prof. </a:t>
+            </a:r>
+            <a:r>
+              <a:rPr lang="ko-KR" altLang="en-US" b="1" i="1" u="sng" dirty="0">
+                <a:solidFill>
+                  <a:schemeClr val="tx1"/>
+                </a:solidFill>
+              </a:rPr>
+              <a:t>김경철</a:t>
+            </a:r>
+            <a:endParaRPr lang="en-US" altLang="ko-KR" b="1" i="1" u="sng" dirty="0">
+              <a:solidFill>
+                <a:schemeClr val="tx1"/>
+              </a:solidFill>
+            </a:endParaRPr>
+          </a:p>
+          <a:p>
+            <a:pPr algn="r"/>
+            <a:r>
+              <a:rPr lang="ko-KR" altLang="en-US" b="1" dirty="0">
+                <a:solidFill>
+                  <a:schemeClr val="tx1"/>
+                </a:solidFill>
+              </a:rPr>
+              <a:t>최영민</a:t>
+            </a:r>
+            <a:endParaRPr lang="en-US" altLang="ko-KR" b="1" dirty="0">
+              <a:solidFill>
+                <a:schemeClr val="tx1"/>
+              </a:solidFill>
+            </a:endParaRPr>
+          </a:p>
+          <a:p>
+            <a:pPr algn="r"/>
+            <a:r>
+              <a:rPr lang="ko-KR" altLang="en-US" b="1" dirty="0">
+                <a:solidFill>
+                  <a:schemeClr val="tx1"/>
+                </a:solidFill>
+              </a:rPr>
+              <a:t>이진수</a:t>
+            </a:r>
+            <a:endParaRPr lang="en-US" altLang="ko-KR" b="1" dirty="0">
+              <a:solidFill>
+                <a:schemeClr val="tx1"/>
+              </a:solidFill>
+            </a:endParaRPr>
+          </a:p>
+          <a:p>
+            <a:pPr algn="r"/>
+            <a:r>
+              <a:rPr lang="ko-KR" altLang="en-US" b="1" dirty="0">
+                <a:solidFill>
+                  <a:schemeClr val="tx1"/>
+                </a:solidFill>
+              </a:rPr>
+              <a:t>조지훈</a:t>
+            </a:r>
+          </a:p>
+        </p:txBody>
+      </p:sp>
       <p:pic>
         <p:nvPicPr>
-          <p:cNvPr id="8" name="그림 7"/>
+          <p:cNvPr id="3" name="Picture 2"/>
           <p:cNvPicPr>
             <a:picLocks noChangeAspect="1"/>
           </p:cNvPicPr>
@@ -2985,15 +3085,6 @@
         <p:blipFill>
           <a:blip r:embed="rId2">
             <a:extLst>
-              <a:ext uri="{BEBA8EAE-BF5A-486C-A8C5-ECC9F3942E4B}">
-                <a14:imgProps xmlns:a14="http://schemas.microsoft.com/office/drawing/2010/main">
-                  <a14:imgLayer r:embed="rId3">
-                    <a14:imgEffect>
-                      <a14:sharpenSoften amount="-25000"/>
-                    </a14:imgEffect>
-                  </a14:imgLayer>
-                </a14:imgProps>
-              </a:ext>
               <a:ext uri="{28A0092B-C50C-407E-A947-70E740481C1C}">
                 <a14:useLocalDpi xmlns:a14="http://schemas.microsoft.com/office/drawing/2010/main" val="0"/>
               </a:ext>
@@ -3005,161 +3096,14 @@
         </p:blipFill>
         <p:spPr>
           <a:xfrm>
-            <a:off x="-1" y="80963"/>
-            <a:ext cx="12192001" cy="6858000"/>
+            <a:off x="1066800" y="285750"/>
+            <a:ext cx="10058400" cy="6286500"/>
           </a:xfrm>
           <a:prstGeom prst="rect">
             <a:avLst/>
           </a:prstGeom>
-          <a:effectLst>
-            <a:outerShdw blurRad="50800" dist="50800" dir="5400000" algn="ctr" rotWithShape="0">
-              <a:srgbClr val="000000">
-                <a:alpha val="56000"/>
-              </a:srgbClr>
-            </a:outerShdw>
-          </a:effectLst>
         </p:spPr>
       </p:pic>
-      <p:sp>
-        <p:nvSpPr>
-          <p:cNvPr id="7" name="Subtitle 2"/>
-          <p:cNvSpPr>
-            <a:spLocks noGrp="1"/>
-          </p:cNvSpPr>
-          <p:nvPr>
-            <p:ph type="subTitle" idx="1"/>
-          </p:nvPr>
-        </p:nvSpPr>
-        <p:spPr>
-          <a:xfrm>
-            <a:off x="5791200" y="5091105"/>
-            <a:ext cx="6400800" cy="1752600"/>
-          </a:xfrm>
-        </p:spPr>
-        <p:txBody>
-          <a:bodyPr>
-            <a:normAutofit fontScale="85000" lnSpcReduction="20000"/>
-          </a:bodyPr>
-          <a:lstStyle/>
-          <a:p>
-            <a:pPr algn="l"/>
-            <a:r>
-              <a:rPr lang="ko-KR" altLang="en-US" dirty="0">
-                <a:solidFill>
-                  <a:schemeClr val="tx1"/>
-                </a:solidFill>
-              </a:rPr>
-              <a:t>                       </a:t>
-            </a:r>
-            <a:r>
-              <a:rPr lang="ko-KR" altLang="en-US" dirty="0" err="1">
-                <a:solidFill>
-                  <a:schemeClr val="tx1"/>
-                </a:solidFill>
-              </a:rPr>
-              <a:t>졸업연구</a:t>
-            </a:r>
-            <a:r>
-              <a:rPr lang="ko-KR" altLang="en-US" dirty="0">
-                <a:solidFill>
-                  <a:schemeClr val="tx1"/>
-                </a:solidFill>
-              </a:rPr>
-              <a:t> 중간발표</a:t>
-            </a:r>
-            <a:endParaRPr lang="en-US" altLang="ko-KR" dirty="0">
-              <a:solidFill>
-                <a:schemeClr val="tx1"/>
-              </a:solidFill>
-            </a:endParaRPr>
-          </a:p>
-          <a:p>
-            <a:r>
-              <a:rPr lang="en-US" altLang="ko-KR" b="1" i="1" u="sng" dirty="0">
-                <a:solidFill>
-                  <a:schemeClr val="tx1"/>
-                </a:solidFill>
-              </a:rPr>
-              <a:t>Prof. </a:t>
-            </a:r>
-            <a:r>
-              <a:rPr lang="ko-KR" altLang="en-US" b="1" i="1" u="sng" dirty="0">
-                <a:solidFill>
-                  <a:schemeClr val="tx1"/>
-                </a:solidFill>
-              </a:rPr>
-              <a:t>김경철</a:t>
-            </a:r>
-            <a:endParaRPr lang="en-US" altLang="ko-KR" b="1" i="1" u="sng" dirty="0">
-              <a:solidFill>
-                <a:schemeClr val="tx1"/>
-              </a:solidFill>
-            </a:endParaRPr>
-          </a:p>
-          <a:p>
-            <a:pPr algn="r"/>
-            <a:r>
-              <a:rPr lang="ko-KR" altLang="en-US" b="1" dirty="0">
-                <a:solidFill>
-                  <a:schemeClr val="tx1"/>
-                </a:solidFill>
-              </a:rPr>
-              <a:t>최영민</a:t>
-            </a:r>
-            <a:endParaRPr lang="en-US" altLang="ko-KR" b="1" dirty="0">
-              <a:solidFill>
-                <a:schemeClr val="tx1"/>
-              </a:solidFill>
-            </a:endParaRPr>
-          </a:p>
-          <a:p>
-            <a:pPr algn="r"/>
-            <a:r>
-              <a:rPr lang="ko-KR" altLang="en-US" b="1" dirty="0">
-                <a:solidFill>
-                  <a:schemeClr val="tx1"/>
-                </a:solidFill>
-              </a:rPr>
-              <a:t>이진수</a:t>
-            </a:r>
-            <a:endParaRPr lang="en-US" altLang="ko-KR" b="1" dirty="0">
-              <a:solidFill>
-                <a:schemeClr val="tx1"/>
-              </a:solidFill>
-            </a:endParaRPr>
-          </a:p>
-          <a:p>
-            <a:pPr algn="r"/>
-            <a:r>
-              <a:rPr lang="ko-KR" altLang="en-US" b="1" dirty="0">
-                <a:solidFill>
-                  <a:schemeClr val="tx1"/>
-                </a:solidFill>
-              </a:rPr>
-              <a:t>조지훈</a:t>
-            </a:r>
-          </a:p>
-        </p:txBody>
-      </p:sp>
-      <p:sp>
-        <p:nvSpPr>
-          <p:cNvPr id="9" name="제목 8"/>
-          <p:cNvSpPr>
-            <a:spLocks noGrp="1"/>
-          </p:cNvSpPr>
-          <p:nvPr>
-            <p:ph type="ctrTitle"/>
-          </p:nvPr>
-        </p:nvSpPr>
-        <p:spPr/>
-        <p:txBody>
-          <a:bodyPr/>
-          <a:lstStyle/>
-          <a:p>
-            <a:endParaRPr lang="ko-KR" altLang="en-US" dirty="0"/>
-          </a:p>
-        </p:txBody>
-      </p:sp>
     </p:spTree>
     <p:extLst>
       <p:ext uri="{BB962C8B-B14F-4D97-AF65-F5344CB8AC3E}">
@@ -3207,6 +3151,10 @@
           </a:bodyPr>
           <a:lstStyle/>
           <a:p>
+            <a:r>
+              <a:rPr lang="en-US" altLang="ko-KR" dirty="0"/>
+              <a:t/>
+            </a:r>
             <a:br>
               <a:rPr lang="en-US" altLang="ko-KR" dirty="0"/>
             </a:br>
@@ -3278,47 +3226,9 @@
           <a:chExt cx="0" cy="0"/>
         </a:xfrm>
       </p:grpSpPr>
-      <p:sp>
-        <p:nvSpPr>
-          <p:cNvPr id="2" name="제목 1"/>
-          <p:cNvSpPr>
-            <a:spLocks noGrp="1"/>
-          </p:cNvSpPr>
-          <p:nvPr>
-            <p:ph type="title"/>
-          </p:nvPr>
-        </p:nvSpPr>
-        <p:spPr/>
-        <p:txBody>
-          <a:bodyPr/>
-          <a:lstStyle/>
-          <a:p>
-            <a:endParaRPr lang="ko-KR" altLang="en-US"/>
-          </a:p>
-        </p:txBody>
-      </p:sp>
-      <p:sp>
-        <p:nvSpPr>
-          <p:cNvPr id="3" name="내용 개체 틀 2"/>
-          <p:cNvSpPr>
-            <a:spLocks noGrp="1"/>
-          </p:cNvSpPr>
-          <p:nvPr>
-            <p:ph idx="1"/>
-          </p:nvPr>
-        </p:nvSpPr>
-        <p:spPr/>
-        <p:txBody>
-          <a:bodyPr/>
-          <a:lstStyle/>
-          <a:p>
-            <a:endParaRPr lang="ko-KR" altLang="en-US"/>
-          </a:p>
-        </p:txBody>
-      </p:sp>
       <p:pic>
         <p:nvPicPr>
-          <p:cNvPr id="5" name="그림 4"/>
+          <p:cNvPr id="6" name="Picture 5"/>
           <p:cNvPicPr>
             <a:picLocks noChangeAspect="1"/>
           </p:cNvPicPr>
@@ -3327,15 +3237,6 @@
         <p:blipFill>
           <a:blip r:embed="rId2">
             <a:extLst>
-              <a:ext uri="{BEBA8EAE-BF5A-486C-A8C5-ECC9F3942E4B}">
-                <a14:imgProps xmlns:a14="http://schemas.microsoft.com/office/drawing/2010/main">
-                  <a14:imgLayer r:embed="rId3">
-                    <a14:imgEffect>
-                      <a14:sharpenSoften amount="-25000"/>
-                    </a14:imgEffect>
-                  </a14:imgLayer>
-                </a14:imgProps>
-              </a:ext>
               <a:ext uri="{28A0092B-C50C-407E-A947-70E740481C1C}">
                 <a14:useLocalDpi xmlns:a14="http://schemas.microsoft.com/office/drawing/2010/main" val="0"/>
               </a:ext>
@@ -3347,19 +3248,12 @@
         </p:blipFill>
         <p:spPr>
           <a:xfrm>
-            <a:off x="-114301" y="214313"/>
-            <a:ext cx="12192001" cy="6858000"/>
+            <a:off x="1066800" y="285750"/>
+            <a:ext cx="10058400" cy="6286500"/>
           </a:xfrm>
           <a:prstGeom prst="rect">
             <a:avLst/>
           </a:prstGeom>
-          <a:effectLst>
-            <a:outerShdw blurRad="50800" dist="50800" dir="5400000" algn="ctr" rotWithShape="0">
-              <a:srgbClr val="000000">
-                <a:alpha val="56000"/>
-              </a:srgbClr>
-            </a:outerShdw>
-          </a:effectLst>
         </p:spPr>
       </p:pic>
     </p:spTree>
@@ -3375,75 +3269,7 @@
   <p:timing>
     <p:tnLst>
       <p:par>
-        <p:cTn id="1" dur="indefinite" restart="never" nodeType="tmRoot">
-          <p:childTnLst>
-            <p:seq concurrent="1" nextAc="seek">
-              <p:cTn id="2" dur="indefinite" nodeType="mainSeq">
-                <p:childTnLst>
-                  <p:par>
-                    <p:cTn id="3" fill="hold">
-                      <p:stCondLst>
-                        <p:cond delay="indefinite"/>
-                      </p:stCondLst>
-                      <p:childTnLst>
-                        <p:par>
-                          <p:cTn id="4" fill="hold">
-                            <p:stCondLst>
-                              <p:cond delay="0"/>
-                            </p:stCondLst>
-                            <p:childTnLst>
-                              <p:par>
-                                <p:cTn id="5" presetID="1" presetClass="exit" presetSubtype="0" fill="hold" nodeType="clickEffect">
-                                  <p:stCondLst>
-                                    <p:cond delay="0"/>
-                                  </p:stCondLst>
-                                  <p:childTnLst>
-                                    <p:set>
-                                      <p:cBhvr>
-                                        <p:cTn id="6" dur="1" fill="hold">
-                                          <p:stCondLst>
-                                            <p:cond delay="0"/>
-                                          </p:stCondLst>
-                                        </p:cTn>
-                                        <p:tgtEl>
-                                          <p:spTgt spid="5"/>
-                                        </p:tgtEl>
-                                        <p:attrNameLst>
-                                          <p:attrName>style.visibility</p:attrName>
-                                        </p:attrNameLst>
-                                      </p:cBhvr>
-                                      <p:to>
-                                        <p:strVal val="hidden"/>
-                                      </p:to>
-                                    </p:set>
-                                  </p:childTnLst>
-                                </p:cTn>
-                              </p:par>
-                            </p:childTnLst>
-                          </p:cTn>
-                        </p:par>
-                      </p:childTnLst>
-                    </p:cTn>
-                  </p:par>
-                </p:childTnLst>
-              </p:cTn>
-              <p:prevCondLst>
-                <p:cond evt="onPrev" delay="0">
-                  <p:tgtEl>
-                    <p:sldTgt/>
-                  </p:tgtEl>
-                </p:cond>
-              </p:prevCondLst>
-              <p:nextCondLst>
-                <p:cond evt="onNext" delay="0">
-                  <p:tgtEl>
-                    <p:sldTgt/>
-                  </p:tgtEl>
-                </p:cond>
-              </p:nextCondLst>
-            </p:seq>
-          </p:childTnLst>
-        </p:cTn>
+        <p:cTn id="1" dur="indefinite" restart="never" nodeType="tmRoot"/>
       </p:par>
     </p:tnLst>
   </p:timing>
@@ -3504,73 +3330,103 @@
           <a:bodyPr/>
           <a:lstStyle/>
           <a:p>
+            <a:pPr marL="0" indent="0">
+              <a:buNone/>
+            </a:pPr>
             <a:r>
               <a:rPr lang="en-US" altLang="ko-KR" b="1" dirty="0"/>
-              <a:t>1.</a:t>
+              <a:t>1</a:t>
+            </a:r>
+            <a:r>
+              <a:rPr lang="en-US" altLang="ko-KR" b="1" dirty="0" smtClean="0"/>
+              <a:t>. </a:t>
+            </a:r>
+            <a:r>
+              <a:rPr lang="ko-KR" altLang="en-US" b="1" dirty="0" smtClean="0"/>
+              <a:t>개요</a:t>
+            </a:r>
+            <a:endParaRPr lang="en-US" altLang="ko-KR" b="1" dirty="0"/>
+          </a:p>
+          <a:p>
+            <a:pPr marL="0" indent="0">
+              <a:buNone/>
+            </a:pPr>
+            <a:r>
+              <a:rPr lang="en-US" altLang="ko-KR" b="1" dirty="0"/>
+              <a:t>2</a:t>
+            </a:r>
+            <a:r>
+              <a:rPr lang="en-US" altLang="ko-KR" b="1" dirty="0" smtClean="0"/>
+              <a:t>. </a:t>
+            </a:r>
+            <a:r>
+              <a:rPr lang="ko-KR" altLang="en-US" b="1" dirty="0" smtClean="0"/>
+              <a:t>게임조작</a:t>
+            </a:r>
+            <a:endParaRPr lang="en-US" altLang="ko-KR" b="1" dirty="0"/>
+          </a:p>
+          <a:p>
+            <a:pPr marL="0" indent="0">
+              <a:buNone/>
+            </a:pPr>
+            <a:r>
+              <a:rPr lang="en-US" altLang="ko-KR" b="1" dirty="0"/>
+              <a:t>3</a:t>
+            </a:r>
+            <a:r>
+              <a:rPr lang="en-US" altLang="ko-KR" b="1" dirty="0" smtClean="0"/>
+              <a:t>. </a:t>
+            </a:r>
+            <a:r>
+              <a:rPr lang="ko-KR" altLang="en-US" b="1" dirty="0" smtClean="0"/>
+              <a:t>기술요소와 </a:t>
             </a:r>
             <a:r>
               <a:rPr lang="ko-KR" altLang="en-US" b="1" dirty="0"/>
-              <a:t>개요</a:t>
+              <a:t>중점연구 분야</a:t>
             </a:r>
             <a:endParaRPr lang="en-US" altLang="ko-KR" b="1" dirty="0"/>
           </a:p>
           <a:p>
+            <a:pPr marL="0" indent="0">
+              <a:buNone/>
+            </a:pPr>
             <a:r>
               <a:rPr lang="en-US" altLang="ko-KR" b="1" dirty="0"/>
-              <a:t>2.</a:t>
-            </a:r>
-            <a:r>
-              <a:rPr lang="ko-KR" altLang="en-US" b="1" dirty="0" err="1"/>
-              <a:t>게임조작</a:t>
+              <a:t>4</a:t>
+            </a:r>
+            <a:r>
+              <a:rPr lang="en-US" altLang="ko-KR" b="1" dirty="0" smtClean="0"/>
+              <a:t>. </a:t>
+            </a:r>
+            <a:r>
+              <a:rPr lang="ko-KR" altLang="en-US" b="1" dirty="0" smtClean="0"/>
+              <a:t>구성원 </a:t>
+            </a:r>
+            <a:r>
+              <a:rPr lang="ko-KR" altLang="en-US" b="1" dirty="0"/>
+              <a:t>역할 분담</a:t>
             </a:r>
             <a:endParaRPr lang="en-US" altLang="ko-KR" b="1" dirty="0"/>
           </a:p>
           <a:p>
-            <a:r>
-              <a:rPr lang="en-US" altLang="ko-KR" b="1" dirty="0"/>
-              <a:t>3.</a:t>
-            </a:r>
-            <a:r>
-              <a:rPr lang="ko-KR" altLang="en-US" b="1" dirty="0" err="1"/>
-              <a:t>기술요소와</a:t>
-            </a:r>
-            <a:r>
-              <a:rPr lang="ko-KR" altLang="en-US" b="1" dirty="0"/>
-              <a:t> </a:t>
-            </a:r>
-            <a:r>
-              <a:rPr lang="ko-KR" altLang="en-US" b="1" dirty="0" err="1"/>
-              <a:t>중점연구</a:t>
-            </a:r>
-            <a:r>
-              <a:rPr lang="ko-KR" altLang="en-US" b="1" dirty="0"/>
-              <a:t> 분야</a:t>
-            </a:r>
-            <a:endParaRPr lang="en-US" altLang="ko-KR" b="1" dirty="0"/>
-          </a:p>
-          <a:p>
-            <a:r>
-              <a:rPr lang="en-US" altLang="ko-KR" b="1" dirty="0"/>
-              <a:t>4. </a:t>
-            </a:r>
-            <a:r>
-              <a:rPr lang="ko-KR" altLang="en-US" b="1" dirty="0"/>
-              <a:t>구성원 역할 분담</a:t>
-            </a:r>
-            <a:endParaRPr lang="en-US" altLang="ko-KR" b="1" dirty="0"/>
-          </a:p>
-          <a:p>
+            <a:pPr marL="0" indent="0">
+              <a:buNone/>
+            </a:pPr>
             <a:r>
               <a:rPr lang="en-US" altLang="ko-KR" b="1" dirty="0"/>
               <a:t>5. </a:t>
             </a:r>
             <a:r>
-              <a:rPr lang="ko-KR" altLang="en-US" b="1" dirty="0" err="1"/>
-              <a:t>개발내용</a:t>
+              <a:rPr lang="ko-KR" altLang="en-US" b="1" dirty="0" smtClean="0"/>
+              <a:t>개발 내용</a:t>
             </a:r>
             <a:endParaRPr lang="en-US" altLang="ko-KR" b="1" dirty="0"/>
           </a:p>
           <a:p>
+            <a:pPr marL="0" indent="0">
+              <a:buNone/>
+            </a:pPr>
             <a:r>
               <a:rPr lang="en-US" altLang="ko-KR" b="1" dirty="0"/>
               <a:t>6. </a:t>
@@ -3582,6 +3438,9 @@
             <a:endParaRPr lang="en-US" altLang="ko-KR" b="1" dirty="0"/>
           </a:p>
           <a:p>
+            <a:pPr marL="0" indent="0">
+              <a:buNone/>
+            </a:pPr>
             <a:r>
               <a:rPr lang="en-US" altLang="ko-KR" b="1" dirty="0"/>
               <a:t>7. </a:t>
@@ -3593,6 +3452,9 @@
             <a:endParaRPr lang="en-US" altLang="ko-KR" b="1" dirty="0"/>
           </a:p>
           <a:p>
+            <a:pPr marL="0" indent="0">
+              <a:buNone/>
+            </a:pPr>
             <a:r>
               <a:rPr lang="en-US" altLang="ko-KR" b="1" dirty="0"/>
               <a:t>8. </a:t>
@@ -3806,6 +3668,10 @@
           </a:bodyPr>
           <a:lstStyle/>
           <a:p>
+            <a:r>
+              <a:rPr lang="en-US" altLang="ko-KR" b="1" dirty="0"/>
+              <a:t/>
+            </a:r>
             <a:br>
               <a:rPr lang="en-US" altLang="ko-KR" b="1" dirty="0"/>
             </a:br>
@@ -3828,6 +3694,10 @@
             <a:r>
               <a:rPr lang="ko-KR" altLang="en-US" b="1" dirty="0"/>
               <a:t> 분야</a:t>
+            </a:r>
+            <a:r>
+              <a:rPr lang="en-US" altLang="ko-KR" b="1" dirty="0"/>
+              <a:t/>
             </a:r>
             <a:br>
               <a:rPr lang="en-US" altLang="ko-KR" b="1" dirty="0"/>
@@ -3902,6 +3772,10 @@
           </a:bodyPr>
           <a:lstStyle/>
           <a:p>
+            <a:r>
+              <a:rPr lang="en-US" altLang="ko-KR" b="1" dirty="0"/>
+              <a:t/>
+            </a:r>
             <a:br>
               <a:rPr lang="en-US" altLang="ko-KR" b="1" dirty="0"/>
             </a:br>
@@ -3912,6 +3786,10 @@
             <a:r>
               <a:rPr lang="ko-KR" altLang="en-US" b="1" dirty="0"/>
               <a:t>구성원 역할 분담</a:t>
+            </a:r>
+            <a:r>
+              <a:rPr lang="en-US" altLang="ko-KR" b="1" dirty="0"/>
+              <a:t/>
             </a:r>
             <a:br>
               <a:rPr lang="en-US" altLang="ko-KR" b="1" dirty="0"/>
@@ -3986,6 +3864,10 @@
           </a:bodyPr>
           <a:lstStyle/>
           <a:p>
+            <a:r>
+              <a:rPr lang="en-US" altLang="ko-KR" b="1" dirty="0"/>
+              <a:t/>
+            </a:r>
             <a:br>
               <a:rPr lang="en-US" altLang="ko-KR" b="1" dirty="0"/>
             </a:br>
@@ -3996,6 +3878,10 @@
             <a:r>
               <a:rPr lang="ko-KR" altLang="en-US" b="1" dirty="0" err="1"/>
               <a:t>개발내용</a:t>
+            </a:r>
+            <a:r>
+              <a:rPr lang="en-US" altLang="ko-KR" b="1" dirty="0"/>
+              <a:t/>
             </a:r>
             <a:br>
               <a:rPr lang="en-US" altLang="ko-KR" b="1" dirty="0"/>
@@ -4070,6 +3956,10 @@
           </a:bodyPr>
           <a:lstStyle/>
           <a:p>
+            <a:r>
+              <a:rPr lang="en-US" altLang="ko-KR" b="1" dirty="0"/>
+              <a:t/>
+            </a:r>
             <a:br>
               <a:rPr lang="en-US" altLang="ko-KR" b="1" dirty="0"/>
             </a:br>
@@ -4080,6 +3970,10 @@
             <a:r>
               <a:rPr lang="ko-KR" altLang="en-US" b="1" dirty="0"/>
               <a:t>문제점 및 보완책</a:t>
+            </a:r>
+            <a:r>
+              <a:rPr lang="en-US" altLang="ko-KR" b="1" dirty="0"/>
+              <a:t/>
             </a:r>
             <a:br>
               <a:rPr lang="en-US" altLang="ko-KR" b="1" dirty="0"/>
@@ -4154,6 +4048,10 @@
           </a:bodyPr>
           <a:lstStyle/>
           <a:p>
+            <a:r>
+              <a:rPr lang="en-US" altLang="ko-KR" b="1" dirty="0"/>
+              <a:t/>
+            </a:r>
             <a:br>
               <a:rPr lang="en-US" altLang="ko-KR" b="1" dirty="0"/>
             </a:br>
@@ -4164,6 +4062,10 @@
             <a:r>
               <a:rPr lang="ko-KR" altLang="en-US" b="1" dirty="0"/>
               <a:t>향후 개발 일정</a:t>
+            </a:r>
+            <a:r>
+              <a:rPr lang="en-US" altLang="ko-KR" b="1" dirty="0"/>
+              <a:t/>
             </a:r>
             <a:br>
               <a:rPr lang="en-US" altLang="ko-KR" b="1" dirty="0"/>
@@ -4247,7 +4149,7 @@
     </a:clrScheme>
     <a:fontScheme name="Office">
       <a:majorFont>
-        <a:latin typeface="맑은 고딕" panose="020F0302020204030204"/>
+        <a:latin typeface="맑은 고딕"/>
         <a:ea typeface=""/>
         <a:cs typeface=""/>
         <a:font script="Jpan" typeface="游ゴシック Light"/>
@@ -4299,7 +4201,7 @@
         <a:font script="Tfng" typeface="Ebrima"/>
       </a:majorFont>
       <a:minorFont>
-        <a:latin typeface="맑은 고딕" panose="020F0502020204030204"/>
+        <a:latin typeface="맑은 고딕"/>
         <a:ea typeface=""/>
         <a:cs typeface=""/>
         <a:font script="Jpan" typeface="游ゴシック"/>
@@ -4493,7 +4395,7 @@
   <a:extraClrSchemeLst/>
   <a:extLst>
     <a:ext uri="{05A4C25C-085E-4340-85A3-A5531E510DB2}">
-      <thm15:themeFamily xmlns:thm15="http://schemas.microsoft.com/office/thememl/2012/main" name="Office Theme" id="{62F939B6-93AF-4DB8-9C6B-D6C7DFDC589F}" vid="{4A3C46E8-61CC-4603-A589-7422A47A8E4A}"/>
+      <thm15:themeFamily xmlns:thm15="http://schemas.microsoft.com/office/thememl/2012/main" xmlns="" name="Office Theme" id="{62F939B6-93AF-4DB8-9C6B-D6C7DFDC589F}" vid="{4A3C46E8-61CC-4603-A589-7422A47A8E4A}"/>
     </a:ext>
   </a:extLst>
 </a:theme>

--- a/기획문서/Aww_중간발표.pptx
+++ b/기획문서/Aww_중간발표.pptx
@@ -12,10 +12,12 @@
     <p:sldId id="260" r:id="rId6"/>
     <p:sldId id="261" r:id="rId7"/>
     <p:sldId id="262" r:id="rId8"/>
-    <p:sldId id="263" r:id="rId9"/>
-    <p:sldId id="264" r:id="rId10"/>
-    <p:sldId id="265" r:id="rId11"/>
-    <p:sldId id="266" r:id="rId12"/>
+    <p:sldId id="267" r:id="rId9"/>
+    <p:sldId id="268" r:id="rId10"/>
+    <p:sldId id="263" r:id="rId11"/>
+    <p:sldId id="264" r:id="rId12"/>
+    <p:sldId id="265" r:id="rId13"/>
+    <p:sldId id="266" r:id="rId14"/>
   </p:sldIdLst>
   <p:sldSz cx="12192000" cy="6858000"/>
   <p:notesSz cx="6858000" cy="9144000"/>
@@ -114,6 +116,22 @@
       </a:defRPr>
     </a:lvl9pPr>
   </p:defaultTextStyle>
+  <p:extLst>
+    <p:ext uri="{EFAFB233-063F-42B5-8137-9DF3F51BA10A}">
+      <p15:sldGuideLst xmlns:p15="http://schemas.microsoft.com/office/powerpoint/2012/main">
+        <p15:guide id="1" orient="horz" pos="2160">
+          <p15:clr>
+            <a:srgbClr val="A4A3A4"/>
+          </p15:clr>
+        </p15:guide>
+        <p15:guide id="2" pos="3840">
+          <p15:clr>
+            <a:srgbClr val="A4A3A4"/>
+          </p15:clr>
+        </p15:guide>
+      </p15:sldGuideLst>
+    </p:ext>
+  </p:extLst>
 </p:presentation>
 </file>
 
@@ -3151,10 +3169,183 @@
           </a:bodyPr>
           <a:lstStyle/>
           <a:p>
-            <a:r>
-              <a:rPr lang="en-US" altLang="ko-KR" dirty="0"/>
-              <a:t/>
-            </a:r>
+            <a:br>
+              <a:rPr lang="en-US" altLang="ko-KR" b="1" dirty="0"/>
+            </a:br>
+            <a:r>
+              <a:rPr lang="en-US" altLang="ko-KR" b="1" dirty="0"/>
+              <a:t>6. </a:t>
+            </a:r>
+            <a:r>
+              <a:rPr lang="ko-KR" altLang="en-US" b="1" dirty="0"/>
+              <a:t>문제점 및 보완책</a:t>
+            </a:r>
+            <a:br>
+              <a:rPr lang="en-US" altLang="ko-KR" b="1" dirty="0"/>
+            </a:br>
+            <a:endParaRPr lang="ko-KR" altLang="en-US" dirty="0"/>
+          </a:p>
+        </p:txBody>
+      </p:sp>
+      <p:sp>
+        <p:nvSpPr>
+          <p:cNvPr id="3" name="내용 개체 틀 2"/>
+          <p:cNvSpPr>
+            <a:spLocks noGrp="1"/>
+          </p:cNvSpPr>
+          <p:nvPr>
+            <p:ph idx="1"/>
+          </p:nvPr>
+        </p:nvSpPr>
+        <p:spPr/>
+        <p:txBody>
+          <a:bodyPr/>
+          <a:lstStyle/>
+          <a:p>
+            <a:endParaRPr lang="ko-KR" altLang="en-US" dirty="0"/>
+          </a:p>
+        </p:txBody>
+      </p:sp>
+    </p:spTree>
+    <p:extLst>
+      <p:ext uri="{BB962C8B-B14F-4D97-AF65-F5344CB8AC3E}">
+        <p14:creationId xmlns:p14="http://schemas.microsoft.com/office/powerpoint/2010/main" val="3406059041"/>
+      </p:ext>
+    </p:extLst>
+  </p:cSld>
+  <p:clrMapOvr>
+    <a:masterClrMapping/>
+  </p:clrMapOvr>
+</p:sld>
+</file>
+
+<file path=ppt/slides/slide11.xml><?xml version="1.0" encoding="utf-8"?>
+<p:sld xmlns:a="http://schemas.openxmlformats.org/drawingml/2006/main" xmlns:r="http://schemas.openxmlformats.org/officeDocument/2006/relationships" xmlns:p="http://schemas.openxmlformats.org/presentationml/2006/main">
+  <p:cSld>
+    <p:spTree>
+      <p:nvGrpSpPr>
+        <p:cNvPr id="1" name=""/>
+        <p:cNvGrpSpPr/>
+        <p:nvPr/>
+      </p:nvGrpSpPr>
+      <p:grpSpPr>
+        <a:xfrm>
+          <a:off x="0" y="0"/>
+          <a:ext cx="0" cy="0"/>
+          <a:chOff x="0" y="0"/>
+          <a:chExt cx="0" cy="0"/>
+        </a:xfrm>
+      </p:grpSpPr>
+      <p:sp>
+        <p:nvSpPr>
+          <p:cNvPr id="2" name="제목 1"/>
+          <p:cNvSpPr>
+            <a:spLocks noGrp="1"/>
+          </p:cNvSpPr>
+          <p:nvPr>
+            <p:ph type="title"/>
+          </p:nvPr>
+        </p:nvSpPr>
+        <p:spPr/>
+        <p:txBody>
+          <a:bodyPr>
+            <a:normAutofit fontScale="90000"/>
+          </a:bodyPr>
+          <a:lstStyle/>
+          <a:p>
+            <a:br>
+              <a:rPr lang="en-US" altLang="ko-KR" b="1" dirty="0"/>
+            </a:br>
+            <a:r>
+              <a:rPr lang="en-US" altLang="ko-KR" b="1" dirty="0"/>
+              <a:t>7. </a:t>
+            </a:r>
+            <a:r>
+              <a:rPr lang="ko-KR" altLang="en-US" b="1" dirty="0"/>
+              <a:t>향후 개발 일정</a:t>
+            </a:r>
+            <a:br>
+              <a:rPr lang="en-US" altLang="ko-KR" b="1" dirty="0"/>
+            </a:br>
+            <a:endParaRPr lang="ko-KR" altLang="en-US" dirty="0"/>
+          </a:p>
+        </p:txBody>
+      </p:sp>
+      <p:sp>
+        <p:nvSpPr>
+          <p:cNvPr id="3" name="내용 개체 틀 2"/>
+          <p:cNvSpPr>
+            <a:spLocks noGrp="1"/>
+          </p:cNvSpPr>
+          <p:nvPr>
+            <p:ph idx="1"/>
+          </p:nvPr>
+        </p:nvSpPr>
+        <p:spPr/>
+        <p:txBody>
+          <a:bodyPr/>
+          <a:lstStyle/>
+          <a:p>
+            <a:endParaRPr lang="en-US" altLang="ko-KR" dirty="0"/>
+          </a:p>
+          <a:p>
+            <a:endParaRPr lang="en-US" altLang="ko-KR" dirty="0"/>
+          </a:p>
+          <a:p>
+            <a:pPr marL="0" indent="0">
+              <a:buNone/>
+            </a:pPr>
+            <a:endParaRPr lang="en-US" altLang="ko-KR" dirty="0"/>
+          </a:p>
+        </p:txBody>
+      </p:sp>
+    </p:spTree>
+    <p:extLst>
+      <p:ext uri="{BB962C8B-B14F-4D97-AF65-F5344CB8AC3E}">
+        <p14:creationId xmlns:p14="http://schemas.microsoft.com/office/powerpoint/2010/main" val="1270315708"/>
+      </p:ext>
+    </p:extLst>
+  </p:cSld>
+  <p:clrMapOvr>
+    <a:masterClrMapping/>
+  </p:clrMapOvr>
+</p:sld>
+</file>
+
+<file path=ppt/slides/slide12.xml><?xml version="1.0" encoding="utf-8"?>
+<p:sld xmlns:a="http://schemas.openxmlformats.org/drawingml/2006/main" xmlns:r="http://schemas.openxmlformats.org/officeDocument/2006/relationships" xmlns:p="http://schemas.openxmlformats.org/presentationml/2006/main">
+  <p:cSld>
+    <p:spTree>
+      <p:nvGrpSpPr>
+        <p:cNvPr id="1" name=""/>
+        <p:cNvGrpSpPr/>
+        <p:nvPr/>
+      </p:nvGrpSpPr>
+      <p:grpSpPr>
+        <a:xfrm>
+          <a:off x="0" y="0"/>
+          <a:ext cx="0" cy="0"/>
+          <a:chOff x="0" y="0"/>
+          <a:chExt cx="0" cy="0"/>
+        </a:xfrm>
+      </p:grpSpPr>
+      <p:sp>
+        <p:nvSpPr>
+          <p:cNvPr id="2" name="제목 1"/>
+          <p:cNvSpPr>
+            <a:spLocks noGrp="1"/>
+          </p:cNvSpPr>
+          <p:nvPr>
+            <p:ph type="title"/>
+          </p:nvPr>
+        </p:nvSpPr>
+        <p:spPr/>
+        <p:txBody>
+          <a:bodyPr>
+            <a:normAutofit fontScale="90000"/>
+          </a:bodyPr>
+          <a:lstStyle/>
+          <a:p>
             <a:br>
               <a:rPr lang="en-US" altLang="ko-KR" dirty="0"/>
             </a:br>
@@ -3192,6 +3383,33 @@
           <a:bodyPr/>
           <a:lstStyle/>
           <a:p>
+            <a:r>
+              <a:rPr lang="en-US" altLang="ko-KR" dirty="0"/>
+              <a:t> </a:t>
+            </a:r>
+          </a:p>
+          <a:p>
+            <a:endParaRPr lang="en-US" altLang="ko-KR" dirty="0"/>
+          </a:p>
+          <a:p>
+            <a:endParaRPr lang="en-US" altLang="ko-KR" dirty="0"/>
+          </a:p>
+          <a:p>
+            <a:endParaRPr lang="en-US" altLang="ko-KR" dirty="0"/>
+          </a:p>
+          <a:p>
+            <a:r>
+              <a:rPr lang="en-US" altLang="ko-KR" dirty="0"/>
+              <a:t>-  </a:t>
+            </a:r>
+            <a:r>
+              <a:rPr lang="ko-KR" altLang="en-US" dirty="0"/>
+              <a:t>동영상 찍거나 혹은 즉시 시연 </a:t>
+            </a:r>
+            <a:r>
+              <a:rPr lang="en-US" altLang="ko-KR" dirty="0"/>
+              <a:t>- </a:t>
+            </a:r>
             <a:endParaRPr lang="ko-KR" altLang="en-US" dirty="0"/>
           </a:p>
         </p:txBody>
@@ -3209,7 +3427,7 @@
 </p:sld>
 </file>
 
-<file path=ppt/slides/slide11.xml><?xml version="1.0" encoding="utf-8"?>
+<file path=ppt/slides/slide13.xml><?xml version="1.0" encoding="utf-8"?>
 <p:sld xmlns:a="http://schemas.openxmlformats.org/drawingml/2006/main" xmlns:r="http://schemas.openxmlformats.org/officeDocument/2006/relationships" xmlns:p="http://schemas.openxmlformats.org/presentationml/2006/main">
   <p:cSld>
     <p:spTree>
@@ -3266,13 +3484,6 @@
   <p:clrMapOvr>
     <a:masterClrMapping/>
   </p:clrMapOvr>
-  <p:timing>
-    <p:tnLst>
-      <p:par>
-        <p:cTn id="1" dur="indefinite" restart="never" nodeType="tmRoot"/>
-      </p:par>
-    </p:tnLst>
-  </p:timing>
 </p:sld>
 </file>
 
@@ -3335,14 +3546,10 @@
             </a:pPr>
             <a:r>
               <a:rPr lang="en-US" altLang="ko-KR" b="1" dirty="0"/>
-              <a:t>1</a:t>
-            </a:r>
-            <a:r>
-              <a:rPr lang="en-US" altLang="ko-KR" b="1" dirty="0" smtClean="0"/>
-              <a:t>. </a:t>
-            </a:r>
-            <a:r>
-              <a:rPr lang="ko-KR" altLang="en-US" b="1" dirty="0" smtClean="0"/>
+              <a:t>1. </a:t>
+            </a:r>
+            <a:r>
+              <a:rPr lang="ko-KR" altLang="en-US" b="1" dirty="0"/>
               <a:t>개요</a:t>
             </a:r>
             <a:endParaRPr lang="en-US" altLang="ko-KR" b="1" dirty="0"/>
@@ -3353,14 +3560,10 @@
             </a:pPr>
             <a:r>
               <a:rPr lang="en-US" altLang="ko-KR" b="1" dirty="0"/>
-              <a:t>2</a:t>
-            </a:r>
-            <a:r>
-              <a:rPr lang="en-US" altLang="ko-KR" b="1" dirty="0" smtClean="0"/>
-              <a:t>. </a:t>
-            </a:r>
-            <a:r>
-              <a:rPr lang="ko-KR" altLang="en-US" b="1" dirty="0" smtClean="0"/>
+              <a:t>2. </a:t>
+            </a:r>
+            <a:r>
+              <a:rPr lang="ko-KR" altLang="en-US" b="1" dirty="0"/>
               <a:t>게임조작</a:t>
             </a:r>
             <a:endParaRPr lang="en-US" altLang="ko-KR" b="1" dirty="0"/>
@@ -3371,19 +3574,11 @@
             </a:pPr>
             <a:r>
               <a:rPr lang="en-US" altLang="ko-KR" b="1" dirty="0"/>
-              <a:t>3</a:t>
-            </a:r>
-            <a:r>
-              <a:rPr lang="en-US" altLang="ko-KR" b="1" dirty="0" smtClean="0"/>
-              <a:t>. </a:t>
-            </a:r>
-            <a:r>
-              <a:rPr lang="ko-KR" altLang="en-US" b="1" dirty="0" smtClean="0"/>
-              <a:t>기술요소와 </a:t>
+              <a:t>3. </a:t>
             </a:r>
             <a:r>
               <a:rPr lang="ko-KR" altLang="en-US" b="1" dirty="0"/>
-              <a:t>중점연구 분야</a:t>
+              <a:t>기술요소와 중점연구 분야</a:t>
             </a:r>
             <a:endParaRPr lang="en-US" altLang="ko-KR" b="1" dirty="0"/>
           </a:p>
@@ -3393,19 +3588,11 @@
             </a:pPr>
             <a:r>
               <a:rPr lang="en-US" altLang="ko-KR" b="1" dirty="0"/>
-              <a:t>4</a:t>
-            </a:r>
-            <a:r>
-              <a:rPr lang="en-US" altLang="ko-KR" b="1" dirty="0" smtClean="0"/>
-              <a:t>. </a:t>
-            </a:r>
-            <a:r>
-              <a:rPr lang="ko-KR" altLang="en-US" b="1" dirty="0" smtClean="0"/>
-              <a:t>구성원 </a:t>
+              <a:t>4. </a:t>
             </a:r>
             <a:r>
               <a:rPr lang="ko-KR" altLang="en-US" b="1" dirty="0"/>
-              <a:t>역할 분담</a:t>
+              <a:t>구성원 역할 분담</a:t>
             </a:r>
             <a:endParaRPr lang="en-US" altLang="ko-KR" b="1" dirty="0"/>
           </a:p>
@@ -3418,7 +3605,7 @@
               <a:t>5. </a:t>
             </a:r>
             <a:r>
-              <a:rPr lang="ko-KR" altLang="en-US" b="1" dirty="0" smtClean="0"/>
+              <a:rPr lang="ko-KR" altLang="en-US" b="1" dirty="0"/>
               <a:t>개발 내용</a:t>
             </a:r>
             <a:endParaRPr lang="en-US" altLang="ko-KR" b="1" dirty="0"/>
@@ -3460,12 +3647,8 @@
               <a:t>8. </a:t>
             </a:r>
             <a:r>
-              <a:rPr lang="ko-KR" altLang="en-US" b="1" dirty="0" err="1"/>
-              <a:t>데모시연</a:t>
-            </a:r>
-            <a:r>
               <a:rPr lang="ko-KR" altLang="en-US" b="1" dirty="0"/>
-              <a:t> </a:t>
+              <a:t>데모 시연 </a:t>
             </a:r>
           </a:p>
         </p:txBody>
@@ -3617,7 +3800,7 @@
           <a:bodyPr/>
           <a:lstStyle/>
           <a:p>
-            <a:endParaRPr lang="ko-KR" altLang="en-US"/>
+            <a:endParaRPr lang="ko-KR" altLang="en-US" dirty="0"/>
           </a:p>
         </p:txBody>
       </p:sp>
@@ -3668,10 +3851,6 @@
           </a:bodyPr>
           <a:lstStyle/>
           <a:p>
-            <a:r>
-              <a:rPr lang="en-US" altLang="ko-KR" b="1" dirty="0"/>
-              <a:t/>
-            </a:r>
             <a:br>
               <a:rPr lang="en-US" altLang="ko-KR" b="1" dirty="0"/>
             </a:br>
@@ -3694,10 +3873,6 @@
             <a:r>
               <a:rPr lang="ko-KR" altLang="en-US" b="1" dirty="0"/>
               <a:t> 분야</a:t>
-            </a:r>
-            <a:r>
-              <a:rPr lang="en-US" altLang="ko-KR" b="1" dirty="0"/>
-              <a:t/>
             </a:r>
             <a:br>
               <a:rPr lang="en-US" altLang="ko-KR" b="1" dirty="0"/>
@@ -3718,10 +3893,168 @@
         </p:nvSpPr>
         <p:spPr/>
         <p:txBody>
-          <a:bodyPr/>
-          <a:lstStyle/>
-          <a:p>
-            <a:endParaRPr lang="ko-KR" altLang="en-US"/>
+          <a:bodyPr>
+            <a:normAutofit fontScale="92500" lnSpcReduction="20000"/>
+          </a:bodyPr>
+          <a:lstStyle/>
+          <a:p>
+            <a:pPr marL="285750" indent="-285750"/>
+            <a:r>
+              <a:rPr lang="ko-KR" altLang="en-US" dirty="0" err="1">
+                <a:effectLst>
+                  <a:outerShdw blurRad="38100" dist="38100" dir="2700000" algn="tl">
+                    <a:srgbClr val="000000">
+                      <a:alpha val="43137"/>
+                    </a:srgbClr>
+                  </a:outerShdw>
+                </a:effectLst>
+              </a:rPr>
+              <a:t>타일관리</a:t>
+            </a:r>
+            <a:r>
+              <a:rPr lang="en-US" altLang="ko-KR" dirty="0"/>
+              <a:t>: </a:t>
+            </a:r>
+            <a:r>
+              <a:rPr lang="ko-KR" altLang="en-US" dirty="0"/>
+              <a:t>다중 타일을 </a:t>
+            </a:r>
+            <a:r>
+              <a:rPr lang="ko-KR" altLang="en-US" dirty="0" err="1"/>
+              <a:t>효율적관리</a:t>
+            </a:r>
+            <a:r>
+              <a:rPr lang="ko-KR" altLang="en-US" dirty="0"/>
+              <a:t> 할 수 있는 자료구조 연구 및 구현</a:t>
+            </a:r>
+            <a:endParaRPr lang="en-US" altLang="ko-KR" dirty="0"/>
+          </a:p>
+          <a:p>
+            <a:endParaRPr lang="en-US" altLang="ko-KR" dirty="0"/>
+          </a:p>
+          <a:p>
+            <a:pPr marL="285750" indent="-285750"/>
+            <a:r>
+              <a:rPr lang="ko-KR" altLang="en-US" dirty="0">
+                <a:effectLst>
+                  <a:outerShdw blurRad="38100" dist="38100" dir="2700000" algn="tl">
+                    <a:srgbClr val="000000">
+                      <a:alpha val="43137"/>
+                    </a:srgbClr>
+                  </a:outerShdw>
+                </a:effectLst>
+              </a:rPr>
+              <a:t>상용화</a:t>
+            </a:r>
+            <a:r>
+              <a:rPr lang="en-US" altLang="ko-KR" dirty="0"/>
+              <a:t>: </a:t>
+            </a:r>
+            <a:r>
+              <a:rPr lang="ko-KR" altLang="en-US" dirty="0"/>
+              <a:t>게임 출시 이후 프로그램 유지보수 연구</a:t>
+            </a:r>
+            <a:endParaRPr lang="en-US" altLang="ko-KR" dirty="0"/>
+          </a:p>
+          <a:p>
+            <a:endParaRPr lang="en-US" altLang="ko-KR" dirty="0"/>
+          </a:p>
+          <a:p>
+            <a:pPr marL="285750" indent="-285750"/>
+            <a:r>
+              <a:rPr lang="ko-KR" altLang="en-US" dirty="0">
+                <a:effectLst>
+                  <a:outerShdw blurRad="38100" dist="38100" dir="2700000" algn="tl">
+                    <a:srgbClr val="000000">
+                      <a:alpha val="43137"/>
+                    </a:srgbClr>
+                  </a:outerShdw>
+                </a:effectLst>
+              </a:rPr>
+              <a:t>모델링</a:t>
+            </a:r>
+            <a:r>
+              <a:rPr lang="en-US" altLang="ko-KR" dirty="0"/>
+              <a:t>: 3D voxel </a:t>
+            </a:r>
+            <a:r>
+              <a:rPr lang="ko-KR" altLang="en-US" dirty="0"/>
+              <a:t>방식 모델링 기법 연구 및 구현</a:t>
+            </a:r>
+            <a:endParaRPr lang="en-US" altLang="ko-KR" dirty="0"/>
+          </a:p>
+          <a:p>
+            <a:endParaRPr lang="en-US" altLang="ko-KR" dirty="0"/>
+          </a:p>
+          <a:p>
+            <a:pPr marL="285750" indent="-285750"/>
+            <a:r>
+              <a:rPr lang="ko-KR" altLang="en-US" dirty="0">
+                <a:effectLst>
+                  <a:outerShdw blurRad="38100" dist="38100" dir="2700000" algn="tl">
+                    <a:srgbClr val="000000">
+                      <a:alpha val="43137"/>
+                    </a:srgbClr>
+                  </a:outerShdw>
+                </a:effectLst>
+              </a:rPr>
+              <a:t>서버</a:t>
+            </a:r>
+            <a:r>
+              <a:rPr lang="en-US" altLang="ko-KR" dirty="0"/>
+              <a:t>: PHP </a:t>
+            </a:r>
+            <a:r>
+              <a:rPr lang="ko-KR" altLang="en-US" dirty="0"/>
+              <a:t>전송 방식으로 </a:t>
+            </a:r>
+            <a:r>
+              <a:rPr lang="ko-KR" altLang="en-US" dirty="0" err="1"/>
+              <a:t>클라우드</a:t>
+            </a:r>
+            <a:r>
+              <a:rPr lang="ko-KR" altLang="en-US" dirty="0"/>
+              <a:t> 서버내 </a:t>
+            </a:r>
+            <a:r>
+              <a:rPr lang="en-US" altLang="ko-KR" dirty="0"/>
+              <a:t>DB</a:t>
+            </a:r>
+            <a:r>
+              <a:rPr lang="ko-KR" altLang="en-US" dirty="0"/>
+              <a:t>와 클라이언트 간의 통신 연구 및 구현</a:t>
+            </a:r>
+            <a:endParaRPr lang="en-US" altLang="ko-KR" dirty="0"/>
+          </a:p>
+          <a:p>
+            <a:endParaRPr lang="en-US" altLang="ko-KR" dirty="0"/>
+          </a:p>
+          <a:p>
+            <a:pPr marL="285750" indent="-285750"/>
+            <a:r>
+              <a:rPr lang="ko-KR" altLang="en-US" dirty="0">
+                <a:effectLst>
+                  <a:outerShdw blurRad="38100" dist="38100" dir="2700000" algn="tl">
+                    <a:srgbClr val="000000">
+                      <a:alpha val="43137"/>
+                    </a:srgbClr>
+                  </a:outerShdw>
+                </a:effectLst>
+              </a:rPr>
+              <a:t>보안</a:t>
+            </a:r>
+            <a:r>
+              <a:rPr lang="en-US" altLang="ko-KR" dirty="0"/>
+              <a:t>: </a:t>
+            </a:r>
+            <a:r>
+              <a:rPr lang="ko-KR" altLang="en-US" dirty="0"/>
+              <a:t>상용화 게임의 중요한 이슈인 보안정책 연구 및 구현</a:t>
+            </a:r>
+            <a:endParaRPr lang="en-US" altLang="ko-KR" dirty="0"/>
+          </a:p>
+          <a:p>
+            <a:endParaRPr lang="ko-KR" altLang="en-US" dirty="0"/>
           </a:p>
         </p:txBody>
       </p:sp>
@@ -3772,10 +4105,6 @@
           </a:bodyPr>
           <a:lstStyle/>
           <a:p>
-            <a:r>
-              <a:rPr lang="en-US" altLang="ko-KR" b="1" dirty="0"/>
-              <a:t/>
-            </a:r>
             <a:br>
               <a:rPr lang="en-US" altLang="ko-KR" b="1" dirty="0"/>
             </a:br>
@@ -3786,10 +4115,6 @@
             <a:r>
               <a:rPr lang="ko-KR" altLang="en-US" b="1" dirty="0"/>
               <a:t>구성원 역할 분담</a:t>
-            </a:r>
-            <a:r>
-              <a:rPr lang="en-US" altLang="ko-KR" b="1" dirty="0"/>
-              <a:t/>
             </a:r>
             <a:br>
               <a:rPr lang="en-US" altLang="ko-KR" b="1" dirty="0"/>
@@ -3813,7 +4138,69 @@
           <a:bodyPr/>
           <a:lstStyle/>
           <a:p>
-            <a:endParaRPr lang="ko-KR" altLang="en-US"/>
+            <a:endParaRPr lang="en-US" altLang="ko-KR" dirty="0"/>
+          </a:p>
+          <a:p>
+            <a:r>
+              <a:rPr lang="ko-KR" altLang="en-US" dirty="0"/>
+              <a:t>최영민 </a:t>
+            </a:r>
+            <a:r>
+              <a:rPr lang="en-US" altLang="ko-KR" dirty="0"/>
+              <a:t>– </a:t>
+            </a:r>
+            <a:r>
+              <a:rPr lang="ko-KR" altLang="en-US" dirty="0" err="1"/>
+              <a:t>큐비클을</a:t>
+            </a:r>
+            <a:r>
+              <a:rPr lang="ko-KR" altLang="en-US" dirty="0"/>
+              <a:t> 활용한 캐릭터 모델링과 게임 기획</a:t>
+            </a:r>
+            <a:endParaRPr lang="en-US" altLang="ko-KR" dirty="0"/>
+          </a:p>
+          <a:p>
+            <a:endParaRPr lang="en-US" altLang="ko-KR" dirty="0"/>
+          </a:p>
+          <a:p>
+            <a:r>
+              <a:rPr lang="ko-KR" altLang="en-US" dirty="0"/>
+              <a:t>조지훈 </a:t>
+            </a:r>
+            <a:r>
+              <a:rPr lang="en-US" altLang="ko-KR" dirty="0"/>
+              <a:t>– Unity3D</a:t>
+            </a:r>
+            <a:r>
+              <a:rPr lang="ko-KR" altLang="en-US" dirty="0"/>
+              <a:t>를 활용한 클라이언트 부분 구현</a:t>
+            </a:r>
+            <a:endParaRPr lang="en-US" altLang="ko-KR" dirty="0"/>
+          </a:p>
+          <a:p>
+            <a:endParaRPr lang="en-US" altLang="ko-KR" dirty="0"/>
+          </a:p>
+          <a:p>
+            <a:r>
+              <a:rPr lang="ko-KR" altLang="en-US" dirty="0"/>
+              <a:t>이진수 </a:t>
+            </a:r>
+            <a:r>
+              <a:rPr lang="en-US" altLang="ko-KR" dirty="0"/>
+              <a:t>– PHP</a:t>
+            </a:r>
+            <a:r>
+              <a:rPr lang="ko-KR" altLang="en-US" dirty="0"/>
+              <a:t>와 </a:t>
+            </a:r>
+            <a:r>
+              <a:rPr lang="en-US" altLang="ko-KR" dirty="0"/>
+              <a:t>MYSQL</a:t>
+            </a:r>
+            <a:r>
+              <a:rPr lang="ko-KR" altLang="en-US" dirty="0"/>
+              <a:t>을 활용한 웹 서버 구현 </a:t>
+            </a:r>
           </a:p>
         </p:txBody>
       </p:sp>
@@ -3864,10 +4251,6 @@
           </a:bodyPr>
           <a:lstStyle/>
           <a:p>
-            <a:r>
-              <a:rPr lang="en-US" altLang="ko-KR" b="1" dirty="0"/>
-              <a:t/>
-            </a:r>
             <a:br>
               <a:rPr lang="en-US" altLang="ko-KR" b="1" dirty="0"/>
             </a:br>
@@ -3878,10 +4261,6 @@
             <a:r>
               <a:rPr lang="ko-KR" altLang="en-US" b="1" dirty="0" err="1"/>
               <a:t>개발내용</a:t>
-            </a:r>
-            <a:r>
-              <a:rPr lang="en-US" altLang="ko-KR" b="1" dirty="0"/>
-              <a:t/>
             </a:r>
             <a:br>
               <a:rPr lang="en-US" altLang="ko-KR" b="1" dirty="0"/>
@@ -3905,7 +4284,14 @@
           <a:bodyPr/>
           <a:lstStyle/>
           <a:p>
-            <a:endParaRPr lang="ko-KR" altLang="en-US"/>
+            <a:r>
+              <a:rPr lang="ko-KR" altLang="en-US" dirty="0"/>
+              <a:t>최영민 </a:t>
+            </a:r>
+            <a:r>
+              <a:rPr lang="en-US" altLang="ko-KR" dirty="0"/>
+              <a:t>- </a:t>
+            </a:r>
           </a:p>
         </p:txBody>
       </p:sp>
@@ -3956,24 +4342,16 @@
           </a:bodyPr>
           <a:lstStyle/>
           <a:p>
-            <a:r>
-              <a:rPr lang="en-US" altLang="ko-KR" b="1" dirty="0"/>
-              <a:t/>
-            </a:r>
             <a:br>
               <a:rPr lang="en-US" altLang="ko-KR" b="1" dirty="0"/>
             </a:br>
             <a:r>
               <a:rPr lang="en-US" altLang="ko-KR" b="1" dirty="0"/>
-              <a:t>6. </a:t>
-            </a:r>
-            <a:r>
-              <a:rPr lang="ko-KR" altLang="en-US" b="1" dirty="0"/>
-              <a:t>문제점 및 보완책</a:t>
-            </a:r>
-            <a:r>
-              <a:rPr lang="en-US" altLang="ko-KR" b="1" dirty="0"/>
-              <a:t/>
+              <a:t>5. </a:t>
+            </a:r>
+            <a:r>
+              <a:rPr lang="ko-KR" altLang="en-US" b="1" dirty="0" err="1"/>
+              <a:t>개발내용</a:t>
             </a:r>
             <a:br>
               <a:rPr lang="en-US" altLang="ko-KR" b="1" dirty="0"/>
@@ -3997,14 +4375,21 @@
           <a:bodyPr/>
           <a:lstStyle/>
           <a:p>
-            <a:endParaRPr lang="ko-KR" altLang="en-US"/>
+            <a:r>
+              <a:rPr lang="ko-KR" altLang="en-US" dirty="0"/>
+              <a:t>조지훈 </a:t>
+            </a:r>
+            <a:r>
+              <a:rPr lang="en-US" altLang="ko-KR" dirty="0"/>
+              <a:t>- </a:t>
+            </a:r>
           </a:p>
         </p:txBody>
       </p:sp>
     </p:spTree>
     <p:extLst>
       <p:ext uri="{BB962C8B-B14F-4D97-AF65-F5344CB8AC3E}">
-        <p14:creationId xmlns:p14="http://schemas.microsoft.com/office/powerpoint/2010/main" val="3406059041"/>
+        <p14:creationId xmlns:p14="http://schemas.microsoft.com/office/powerpoint/2010/main" val="2152090601"/>
       </p:ext>
     </p:extLst>
   </p:cSld>
@@ -4048,24 +4433,16 @@
           </a:bodyPr>
           <a:lstStyle/>
           <a:p>
-            <a:r>
-              <a:rPr lang="en-US" altLang="ko-KR" b="1" dirty="0"/>
-              <a:t/>
-            </a:r>
             <a:br>
               <a:rPr lang="en-US" altLang="ko-KR" b="1" dirty="0"/>
             </a:br>
             <a:r>
               <a:rPr lang="en-US" altLang="ko-KR" b="1" dirty="0"/>
-              <a:t>7. </a:t>
-            </a:r>
-            <a:r>
-              <a:rPr lang="ko-KR" altLang="en-US" b="1" dirty="0"/>
-              <a:t>향후 개발 일정</a:t>
-            </a:r>
-            <a:r>
-              <a:rPr lang="en-US" altLang="ko-KR" b="1" dirty="0"/>
-              <a:t/>
+              <a:t>5. </a:t>
+            </a:r>
+            <a:r>
+              <a:rPr lang="ko-KR" altLang="en-US" b="1" dirty="0" err="1"/>
+              <a:t>개발내용</a:t>
             </a:r>
             <a:br>
               <a:rPr lang="en-US" altLang="ko-KR" b="1" dirty="0"/>
@@ -4089,14 +4466,21 @@
           <a:bodyPr/>
           <a:lstStyle/>
           <a:p>
-            <a:endParaRPr lang="ko-KR" altLang="en-US"/>
+            <a:r>
+              <a:rPr lang="ko-KR" altLang="en-US" dirty="0"/>
+              <a:t>이진수 </a:t>
+            </a:r>
+            <a:r>
+              <a:rPr lang="en-US" altLang="ko-KR" dirty="0"/>
+              <a:t>– </a:t>
+            </a:r>
           </a:p>
         </p:txBody>
       </p:sp>
     </p:spTree>
     <p:extLst>
       <p:ext uri="{BB962C8B-B14F-4D97-AF65-F5344CB8AC3E}">
-        <p14:creationId xmlns:p14="http://schemas.microsoft.com/office/powerpoint/2010/main" val="1270315708"/>
+        <p14:creationId xmlns:p14="http://schemas.microsoft.com/office/powerpoint/2010/main" val="764250827"/>
       </p:ext>
     </p:extLst>
   </p:cSld>
@@ -4395,7 +4779,7 @@
   <a:extraClrSchemeLst/>
   <a:extLst>
     <a:ext uri="{05A4C25C-085E-4340-85A3-A5531E510DB2}">
-      <thm15:themeFamily xmlns:thm15="http://schemas.microsoft.com/office/thememl/2012/main" xmlns="" name="Office Theme" id="{62F939B6-93AF-4DB8-9C6B-D6C7DFDC589F}" vid="{4A3C46E8-61CC-4603-A589-7422A47A8E4A}"/>
+      <thm15:themeFamily xmlns:thm15="http://schemas.microsoft.com/office/thememl/2012/main" name="Office Theme" id="{62F939B6-93AF-4DB8-9C6B-D6C7DFDC589F}" vid="{4A3C46E8-61CC-4603-A589-7422A47A8E4A}"/>
     </a:ext>
   </a:extLst>
 </a:theme>
